--- a/Slide/Slide.pptx
+++ b/Slide/Slide.pptx
@@ -119,6 +119,11 @@
       </a:defRPr>
     </a:lvl9pPr>
   </p:defaultTextStyle>
+  <p:extLst>
+    <p:ext uri="{EFAFB233-063F-42B5-8137-9DF3F51BA10A}">
+      <p15:sldGuideLst xmlns:p15="http://schemas.microsoft.com/office/powerpoint/2012/main"/>
+    </p:ext>
+  </p:extLst>
 </p:presentation>
 </file>
 
@@ -3840,7 +3845,25 @@
                 </a:solidFill>
                 <a:cs typeface="Times New Roman" panose="02020603050405020304" pitchFamily="18" charset="0"/>
               </a:rPr>
-              <a:t>ỨNG DỤNG LÝ THUYẾT HÀNG ĐỢI TRONG VIỆC TỐI ƯU HÓA THIẾT KẾ DỊCH VỤ CHĂM SÓC KHÁCH HÀNG</a:t>
+              <a:t>ỨNG DỤNG LÝ THUYẾT HÀNG ĐỢI TRONG VIỆC TỐI ƯU </a:t>
+            </a:r>
+            <a:r>
+              <a:rPr lang="vi-VN" altLang="en-US" sz="3200">
+                <a:solidFill>
+                  <a:schemeClr val="tx2"/>
+                </a:solidFill>
+                <a:cs typeface="Times New Roman" panose="02020603050405020304" pitchFamily="18" charset="0"/>
+              </a:rPr>
+              <a:t>HÓA THIẾT </a:t>
+            </a:r>
+            <a:r>
+              <a:rPr lang="vi-VN" altLang="en-US" sz="3200" dirty="0">
+                <a:solidFill>
+                  <a:schemeClr val="tx2"/>
+                </a:solidFill>
+                <a:cs typeface="Times New Roman" panose="02020603050405020304" pitchFamily="18" charset="0"/>
+              </a:rPr>
+              <a:t>KẾ DỊCH VỤ CHĂM SÓC KHÁCH HÀNG</a:t>
             </a:r>
             <a:endParaRPr lang="en-US" altLang="en-US" sz="3200" dirty="0">
               <a:solidFill>
@@ -4483,8 +4506,8 @@
           </a:p>
         </p:txBody>
       </p:sp>
-      <mc:AlternateContent xmlns:mc="http://schemas.openxmlformats.org/markup-compatibility/2006">
-        <mc:Choice xmlns:a14="http://schemas.microsoft.com/office/drawing/2010/main" Requires="a14">
+      <mc:AlternateContent xmlns:mc="http://schemas.openxmlformats.org/markup-compatibility/2006" xmlns:a14="http://schemas.microsoft.com/office/drawing/2010/main">
+        <mc:Choice Requires="a14">
           <p:sp>
             <p:nvSpPr>
               <p:cNvPr id="7" name="TextBox 6">
@@ -4912,7 +4935,7 @@
             </p:txBody>
           </p:sp>
         </mc:Choice>
-        <mc:Fallback>
+        <mc:Fallback xmlns="">
           <p:sp>
             <p:nvSpPr>
               <p:cNvPr id="7" name="TextBox 6">
@@ -5120,8 +5143,8 @@
           </a:p>
         </p:txBody>
       </p:sp>
-      <mc:AlternateContent xmlns:mc="http://schemas.openxmlformats.org/markup-compatibility/2006">
-        <mc:Choice xmlns:a14="http://schemas.microsoft.com/office/drawing/2010/main" Requires="a14">
+      <mc:AlternateContent xmlns:mc="http://schemas.openxmlformats.org/markup-compatibility/2006" xmlns:a14="http://schemas.microsoft.com/office/drawing/2010/main">
+        <mc:Choice Requires="a14">
           <p:sp>
             <p:nvSpPr>
               <p:cNvPr id="6" name="TextBox 5">
@@ -5209,7 +5232,7 @@
             </p:txBody>
           </p:sp>
         </mc:Choice>
-        <mc:Fallback>
+        <mc:Fallback xmlns="">
           <p:sp>
             <p:nvSpPr>
               <p:cNvPr id="6" name="TextBox 5">
@@ -5254,8 +5277,8 @@
           </p:sp>
         </mc:Fallback>
       </mc:AlternateContent>
-      <mc:AlternateContent xmlns:mc="http://schemas.openxmlformats.org/markup-compatibility/2006">
-        <mc:Choice xmlns:a14="http://schemas.microsoft.com/office/drawing/2010/main" Requires="a14">
+      <mc:AlternateContent xmlns:mc="http://schemas.openxmlformats.org/markup-compatibility/2006" xmlns:a14="http://schemas.microsoft.com/office/drawing/2010/main">
+        <mc:Choice Requires="a14">
           <p:sp>
             <p:nvSpPr>
               <p:cNvPr id="7" name="TextBox 6">
@@ -5571,7 +5594,7 @@
             </p:txBody>
           </p:sp>
         </mc:Choice>
-        <mc:Fallback>
+        <mc:Fallback xmlns="">
           <p:sp>
             <p:nvSpPr>
               <p:cNvPr id="7" name="TextBox 6">
@@ -6884,8 +6907,8 @@
           </a:p>
         </p:txBody>
       </p:sp>
-      <mc:AlternateContent xmlns:mc="http://schemas.openxmlformats.org/markup-compatibility/2006">
-        <mc:Choice xmlns:a14="http://schemas.microsoft.com/office/drawing/2010/main" Requires="a14">
+      <mc:AlternateContent xmlns:mc="http://schemas.openxmlformats.org/markup-compatibility/2006" xmlns:a14="http://schemas.microsoft.com/office/drawing/2010/main">
+        <mc:Choice Requires="a14">
           <p:sp>
             <p:nvSpPr>
               <p:cNvPr id="63" name="TextBox 62">
@@ -6994,7 +7017,7 @@
             </p:txBody>
           </p:sp>
         </mc:Choice>
-        <mc:Fallback>
+        <mc:Fallback xmlns="">
           <p:sp>
             <p:nvSpPr>
               <p:cNvPr id="63" name="TextBox 62">
@@ -7311,8 +7334,8 @@
           </a:p>
         </p:txBody>
       </p:sp>
-      <mc:AlternateContent xmlns:mc="http://schemas.openxmlformats.org/markup-compatibility/2006">
-        <mc:Choice xmlns:a14="http://schemas.microsoft.com/office/drawing/2010/main" Requires="a14">
+      <mc:AlternateContent xmlns:mc="http://schemas.openxmlformats.org/markup-compatibility/2006" xmlns:a14="http://schemas.microsoft.com/office/drawing/2010/main">
+        <mc:Choice Requires="a14">
           <p:sp>
             <p:nvSpPr>
               <p:cNvPr id="8" name="Parallelogram 7">
@@ -7362,6 +7385,7 @@
               <a:bodyPr rtlCol="0" anchor="ctr"/>
               <a:lstStyle/>
               <a:p>
+                <a:pPr/>
                 <a14:m>
                   <m:oMathPara xmlns:m="http://schemas.openxmlformats.org/officeDocument/2006/math">
                     <m:oMathParaPr>
@@ -7371,26 +7395,36 @@
                       <m:sSub>
                         <m:sSubPr>
                           <m:ctrlPr>
-                            <a:rPr lang="en-US" i="1" smtClean="0"/>
+                            <a:rPr lang="en-US" i="1" smtClean="0">
+                              <a:latin typeface="Cambria Math" panose="02040503050406030204" pitchFamily="18" charset="0"/>
+                            </a:rPr>
                           </m:ctrlPr>
                         </m:sSubPr>
                         <m:e>
                           <m:r>
-                            <a:rPr lang="en-US" i="1"/>
+                            <a:rPr lang="en-US" i="1">
+                              <a:latin typeface="Cambria Math" panose="02040503050406030204" pitchFamily="18" charset="0"/>
+                            </a:rPr>
                             <m:t>𝐶</m:t>
                           </m:r>
                           <m:r>
-                            <a:rPr lang="en-US" i="1"/>
+                            <a:rPr lang="en-US" i="1">
+                              <a:latin typeface="Cambria Math" panose="02040503050406030204" pitchFamily="18" charset="0"/>
+                            </a:rPr>
                             <m:t>=1:</m:t>
                           </m:r>
                           <m:r>
-                            <a:rPr lang="en-US" i="1"/>
+                            <a:rPr lang="en-US" i="1">
+                              <a:latin typeface="Cambria Math" panose="02040503050406030204" pitchFamily="18" charset="0"/>
+                            </a:rPr>
                             <m:t>𝐶</m:t>
                           </m:r>
                         </m:e>
                         <m:sub>
                           <m:r>
-                            <a:rPr lang="en-US" i="1"/>
+                            <a:rPr lang="en-US" i="1">
+                              <a:latin typeface="Cambria Math" panose="02040503050406030204" pitchFamily="18" charset="0"/>
+                            </a:rPr>
                             <m:t>𝑚𝑎𝑥</m:t>
                           </m:r>
                         </m:sub>
@@ -7401,6 +7435,7 @@
                 <a:endParaRPr lang="en-US" dirty="0"/>
               </a:p>
               <a:p>
+                <a:pPr/>
                 <a14:m>
                   <m:oMathPara xmlns:m="http://schemas.openxmlformats.org/officeDocument/2006/math">
                     <m:oMathParaPr>
@@ -7410,7 +7445,9 @@
                       <m:sSub>
                         <m:sSubPr>
                           <m:ctrlPr>
-                            <a:rPr lang="en-US" i="1"/>
+                            <a:rPr lang="en-US" i="1">
+                              <a:latin typeface="Cambria Math" panose="02040503050406030204" pitchFamily="18" charset="0"/>
+                            </a:rPr>
                           </m:ctrlPr>
                         </m:sSubPr>
                         <m:e>
@@ -7421,7 +7458,9 @@
                             <m:t>𝐾</m:t>
                           </m:r>
                           <m:r>
-                            <a:rPr lang="en-US" i="1"/>
+                            <a:rPr lang="en-US" i="1">
+                              <a:latin typeface="Cambria Math" panose="02040503050406030204" pitchFamily="18" charset="0"/>
+                            </a:rPr>
                             <m:t>=</m:t>
                           </m:r>
                           <m:r>
@@ -7431,7 +7470,9 @@
                             <m:t>𝐶</m:t>
                           </m:r>
                           <m:r>
-                            <a:rPr lang="en-US" i="1"/>
+                            <a:rPr lang="en-US" i="1">
+                              <a:latin typeface="Cambria Math" panose="02040503050406030204" pitchFamily="18" charset="0"/>
+                            </a:rPr>
                             <m:t>:</m:t>
                           </m:r>
                           <m:r>
@@ -7443,7 +7484,9 @@
                         </m:e>
                         <m:sub>
                           <m:r>
-                            <a:rPr lang="en-US" i="1"/>
+                            <a:rPr lang="en-US" i="1">
+                              <a:latin typeface="Cambria Math" panose="02040503050406030204" pitchFamily="18" charset="0"/>
+                            </a:rPr>
                             <m:t>𝑚𝑎𝑥</m:t>
                           </m:r>
                         </m:sub>
@@ -7456,7 +7499,7 @@
             </p:txBody>
           </p:sp>
         </mc:Choice>
-        <mc:Fallback>
+        <mc:Fallback xmlns="">
           <p:sp>
             <p:nvSpPr>
               <p:cNvPr id="8" name="Parallelogram 7">
@@ -7549,8 +7592,8 @@
           </a:fontRef>
         </p:style>
       </p:cxnSp>
-      <mc:AlternateContent xmlns:mc="http://schemas.openxmlformats.org/markup-compatibility/2006">
-        <mc:Choice xmlns:a14="http://schemas.microsoft.com/office/drawing/2010/main" Requires="a14">
+      <mc:AlternateContent xmlns:mc="http://schemas.openxmlformats.org/markup-compatibility/2006" xmlns:a14="http://schemas.microsoft.com/office/drawing/2010/main">
+        <mc:Choice Requires="a14">
           <p:sp>
             <p:nvSpPr>
               <p:cNvPr id="14" name="Diamond 13">
@@ -7656,7 +7699,7 @@
             </p:txBody>
           </p:sp>
         </mc:Choice>
-        <mc:Fallback>
+        <mc:Fallback xmlns="">
           <p:sp>
             <p:nvSpPr>
               <p:cNvPr id="14" name="Diamond 13">
@@ -7749,8 +7792,8 @@
           </a:fontRef>
         </p:style>
       </p:cxnSp>
-      <mc:AlternateContent xmlns:mc="http://schemas.openxmlformats.org/markup-compatibility/2006">
-        <mc:Choice xmlns:a14="http://schemas.microsoft.com/office/drawing/2010/main" Requires="a14">
+      <mc:AlternateContent xmlns:mc="http://schemas.openxmlformats.org/markup-compatibility/2006" xmlns:a14="http://schemas.microsoft.com/office/drawing/2010/main">
+        <mc:Choice Requires="a14">
           <p:sp>
             <p:nvSpPr>
               <p:cNvPr id="22" name="Parallelogram 21">
@@ -7800,6 +7843,7 @@
               <a:bodyPr rtlCol="0" anchor="ctr"/>
               <a:lstStyle/>
               <a:p>
+                <a:pPr/>
                 <a14:m>
                   <m:oMathPara xmlns:m="http://schemas.openxmlformats.org/officeDocument/2006/math">
                     <m:oMathParaPr>
@@ -7808,67 +7852,67 @@
                     <m:oMath xmlns:m="http://schemas.openxmlformats.org/officeDocument/2006/math">
                       <m:r>
                         <a:rPr lang="en-US" sz="1600" i="1" smtClean="0">
-                          <a:latin typeface="Times New Roman (Headings)"/>
+                          <a:latin typeface="Cambria Math" panose="02040503050406030204" pitchFamily="18" charset="0"/>
                         </a:rPr>
                         <m:t>𝐾</m:t>
                       </m:r>
                       <m:r>
                         <a:rPr lang="en-US" sz="1600" b="0" i="1" smtClean="0">
-                          <a:latin typeface="Times New Roman (Headings)"/>
+                          <a:latin typeface="Cambria Math" panose="02040503050406030204" pitchFamily="18" charset="0"/>
                         </a:rPr>
                         <m:t>h</m:t>
                       </m:r>
                       <m:r>
                         <a:rPr lang="en-US" sz="1600" b="0" i="1" smtClean="0">
-                          <a:latin typeface="Times New Roman (Headings)"/>
+                          <a:latin typeface="Cambria Math" panose="02040503050406030204" pitchFamily="18" charset="0"/>
                         </a:rPr>
                         <m:t>ô</m:t>
                       </m:r>
                       <m:r>
                         <a:rPr lang="en-US" sz="1600" b="0" i="1" smtClean="0">
-                          <a:latin typeface="Times New Roman (Headings)"/>
+                          <a:latin typeface="Cambria Math" panose="02040503050406030204" pitchFamily="18" charset="0"/>
                         </a:rPr>
                         <m:t>𝑛𝑔</m:t>
                       </m:r>
                       <m:r>
                         <a:rPr lang="en-US" sz="1600" b="0" i="1" smtClean="0">
-                          <a:latin typeface="Times New Roman (Headings)"/>
+                          <a:latin typeface="Cambria Math" panose="02040503050406030204" pitchFamily="18" charset="0"/>
                         </a:rPr>
                         <m:t> </m:t>
                       </m:r>
                       <m:r>
                         <a:rPr lang="en-US" sz="1600" b="0" i="1" smtClean="0">
-                          <a:latin typeface="Times New Roman (Headings)"/>
+                          <a:latin typeface="Cambria Math" panose="02040503050406030204" pitchFamily="18" charset="0"/>
                         </a:rPr>
                         <m:t>𝑐</m:t>
                       </m:r>
                       <m:r>
                         <a:rPr lang="en-US" sz="1600" b="0" i="1" smtClean="0">
-                          <a:latin typeface="Times New Roman (Headings)"/>
+                          <a:latin typeface="Cambria Math" panose="02040503050406030204" pitchFamily="18" charset="0"/>
                         </a:rPr>
                         <m:t>ó </m:t>
                       </m:r>
                       <m:r>
                         <a:rPr lang="en-US" sz="1600" b="0" i="1" smtClean="0">
-                          <a:latin typeface="Times New Roman (Headings)"/>
+                          <a:latin typeface="Cambria Math" panose="02040503050406030204" pitchFamily="18" charset="0"/>
                         </a:rPr>
                         <m:t>𝐶</m:t>
                       </m:r>
                       <m:r>
                         <a:rPr lang="en-US" sz="1600" b="0" i="1" smtClean="0">
-                          <a:latin typeface="Times New Roman (Headings)"/>
+                          <a:latin typeface="Cambria Math" panose="02040503050406030204" pitchFamily="18" charset="0"/>
                         </a:rPr>
                         <m:t>,</m:t>
                       </m:r>
                       <m:r>
                         <a:rPr lang="en-US" sz="1600" b="0" i="1" smtClean="0">
-                          <a:latin typeface="Times New Roman (Headings)"/>
+                          <a:latin typeface="Cambria Math" panose="02040503050406030204" pitchFamily="18" charset="0"/>
                         </a:rPr>
                         <m:t>𝐾</m:t>
                       </m:r>
                       <m:r>
                         <a:rPr lang="en-US" sz="1600" b="0" i="1" smtClean="0">
-                          <a:latin typeface="Times New Roman (Headings)"/>
+                          <a:latin typeface="Cambria Math" panose="02040503050406030204" pitchFamily="18" charset="0"/>
                         </a:rPr>
                         <m:t> </m:t>
                       </m:r>
@@ -7905,7 +7949,7 @@
             </p:txBody>
           </p:sp>
         </mc:Choice>
-        <mc:Fallback>
+        <mc:Fallback xmlns="">
           <p:sp>
             <p:nvSpPr>
               <p:cNvPr id="22" name="Parallelogram 21">
@@ -8033,8 +8077,8 @@
           </a:p>
         </p:txBody>
       </p:sp>
-      <mc:AlternateContent xmlns:mc="http://schemas.openxmlformats.org/markup-compatibility/2006">
-        <mc:Choice xmlns:a14="http://schemas.microsoft.com/office/drawing/2010/main" Requires="a14">
+      <mc:AlternateContent xmlns:mc="http://schemas.openxmlformats.org/markup-compatibility/2006" xmlns:a14="http://schemas.microsoft.com/office/drawing/2010/main">
+        <mc:Choice Requires="a14">
           <p:sp>
             <p:nvSpPr>
               <p:cNvPr id="28" name="Rectangle 27">
@@ -8100,14 +8144,14 @@
                       <m:sSubPr>
                         <m:ctrlPr>
                           <a:rPr lang="en-US" i="1">
-                            <a:latin typeface="Times New Roman (Headings)"/>
+                            <a:latin typeface="Cambria Math" panose="02040503050406030204" pitchFamily="18" charset="0"/>
                           </a:rPr>
                         </m:ctrlPr>
                       </m:sSubPr>
                       <m:e>
                         <m:r>
                           <a:rPr lang="en-US" b="0" i="1" smtClean="0">
-                            <a:latin typeface="Times New Roman (Headings)"/>
+                            <a:latin typeface="Cambria Math" panose="02040503050406030204" pitchFamily="18" charset="0"/>
                           </a:rPr>
                           <m:t>𝐾</m:t>
                         </m:r>
@@ -8115,13 +8159,13 @@
                       <m:sub>
                         <m:r>
                           <a:rPr lang="en-US" i="1">
-                            <a:latin typeface="Times New Roman (Headings)"/>
+                            <a:latin typeface="Cambria Math" panose="02040503050406030204" pitchFamily="18" charset="0"/>
                           </a:rPr>
                           <m:t>𝑚</m:t>
                         </m:r>
                         <m:r>
                           <a:rPr lang="en-US" b="0" i="1" smtClean="0">
-                            <a:latin typeface="Times New Roman (Headings)"/>
+                            <a:latin typeface="Cambria Math" panose="02040503050406030204" pitchFamily="18" charset="0"/>
                           </a:rPr>
                           <m:t>𝑖𝑛</m:t>
                         </m:r>
@@ -8141,14 +8185,14 @@
                       <m:sSubPr>
                         <m:ctrlPr>
                           <a:rPr lang="en-US" i="1">
-                            <a:latin typeface="Times New Roman (Headings)"/>
+                            <a:latin typeface="Cambria Math" panose="02040503050406030204" pitchFamily="18" charset="0"/>
                           </a:rPr>
                         </m:ctrlPr>
                       </m:sSubPr>
                       <m:e>
                         <m:r>
                           <a:rPr lang="en-US" b="0" i="1" smtClean="0">
-                            <a:latin typeface="Times New Roman (Headings)"/>
+                            <a:latin typeface="Cambria Math" panose="02040503050406030204" pitchFamily="18" charset="0"/>
                           </a:rPr>
                           <m:t>𝐶</m:t>
                         </m:r>
@@ -8156,15 +8200,9 @@
                       <m:sub>
                         <m:r>
                           <a:rPr lang="en-US" i="1">
-                            <a:latin typeface="Times New Roman (Headings)"/>
+                            <a:latin typeface="Cambria Math" panose="02040503050406030204" pitchFamily="18" charset="0"/>
                           </a:rPr>
-                          <m:t>𝑚</m:t>
-                        </m:r>
-                        <m:r>
-                          <a:rPr lang="en-US" i="1">
-                            <a:latin typeface="Times New Roman (Headings)"/>
-                          </a:rPr>
-                          <m:t>𝑖𝑛</m:t>
+                          <m:t>𝑚𝑖𝑛</m:t>
                         </m:r>
                       </m:sub>
                     </m:sSub>
@@ -8218,7 +8256,7 @@
             </p:txBody>
           </p:sp>
         </mc:Choice>
-        <mc:Fallback>
+        <mc:Fallback xmlns="">
           <p:sp>
             <p:nvSpPr>
               <p:cNvPr id="28" name="Rectangle 27">
@@ -8345,8 +8383,8 @@
           </a:p>
         </p:txBody>
       </p:sp>
-      <mc:AlternateContent xmlns:mc="http://schemas.openxmlformats.org/markup-compatibility/2006">
-        <mc:Choice xmlns:a14="http://schemas.microsoft.com/office/drawing/2010/main" Requires="a14">
+      <mc:AlternateContent xmlns:mc="http://schemas.openxmlformats.org/markup-compatibility/2006" xmlns:a14="http://schemas.microsoft.com/office/drawing/2010/main">
+        <mc:Choice Requires="a14">
           <p:sp>
             <p:nvSpPr>
               <p:cNvPr id="37" name="Parallelogram 36">
@@ -8522,7 +8560,7 @@
             </p:txBody>
           </p:sp>
         </mc:Choice>
-        <mc:Fallback>
+        <mc:Fallback xmlns="">
           <p:sp>
             <p:nvSpPr>
               <p:cNvPr id="37" name="Parallelogram 36">
@@ -8614,8 +8652,8 @@
           </a:fontRef>
         </p:style>
       </p:cxnSp>
-      <mc:AlternateContent xmlns:mc="http://schemas.openxmlformats.org/markup-compatibility/2006">
-        <mc:Choice xmlns:a14="http://schemas.microsoft.com/office/drawing/2010/main" Requires="a14">
+      <mc:AlternateContent xmlns:mc="http://schemas.openxmlformats.org/markup-compatibility/2006" xmlns:a14="http://schemas.microsoft.com/office/drawing/2010/main">
+        <mc:Choice Requires="a14">
           <p:sp>
             <p:nvSpPr>
               <p:cNvPr id="42" name="Diamond 41">
@@ -8721,7 +8759,7 @@
             </p:txBody>
           </p:sp>
         </mc:Choice>
-        <mc:Fallback>
+        <mc:Fallback xmlns="">
           <p:sp>
             <p:nvSpPr>
               <p:cNvPr id="42" name="Diamond 41">
@@ -8814,8 +8852,8 @@
           </a:fontRef>
         </p:style>
       </p:cxnSp>
-      <mc:AlternateContent xmlns:mc="http://schemas.openxmlformats.org/markup-compatibility/2006">
-        <mc:Choice xmlns:a14="http://schemas.microsoft.com/office/drawing/2010/main" Requires="a14">
+      <mc:AlternateContent xmlns:mc="http://schemas.openxmlformats.org/markup-compatibility/2006" xmlns:a14="http://schemas.microsoft.com/office/drawing/2010/main">
+        <mc:Choice Requires="a14">
           <p:sp>
             <p:nvSpPr>
               <p:cNvPr id="47" name="Parallelogram 46">
@@ -8865,6 +8903,7 @@
               <a:bodyPr rtlCol="0" anchor="ctr"/>
               <a:lstStyle/>
               <a:p>
+                <a:pPr/>
                 <a14:m>
                   <m:oMathPara xmlns:m="http://schemas.openxmlformats.org/officeDocument/2006/math">
                     <m:oMathParaPr>
@@ -9056,7 +9095,7 @@
             </p:txBody>
           </p:sp>
         </mc:Choice>
-        <mc:Fallback>
+        <mc:Fallback xmlns="">
           <p:sp>
             <p:nvSpPr>
               <p:cNvPr id="47" name="Parallelogram 46">
@@ -9184,8 +9223,8 @@
           </a:fontRef>
         </p:style>
       </p:cxnSp>
-      <mc:AlternateContent xmlns:mc="http://schemas.openxmlformats.org/markup-compatibility/2006">
-        <mc:Choice xmlns:a14="http://schemas.microsoft.com/office/drawing/2010/main" Requires="a14">
+      <mc:AlternateContent xmlns:mc="http://schemas.openxmlformats.org/markup-compatibility/2006" xmlns:a14="http://schemas.microsoft.com/office/drawing/2010/main">
+        <mc:Choice Requires="a14">
           <p:sp>
             <p:nvSpPr>
               <p:cNvPr id="61" name="Rectangle 60">
@@ -9289,14 +9328,14 @@
                       <m:sSubPr>
                         <m:ctrlPr>
                           <a:rPr lang="en-US" i="1">
-                            <a:latin typeface="Times New Roman (Headings)"/>
+                            <a:latin typeface="Cambria Math" panose="02040503050406030204" pitchFamily="18" charset="0"/>
                           </a:rPr>
                         </m:ctrlPr>
                       </m:sSubPr>
                       <m:e>
                         <m:r>
                           <a:rPr lang="en-US" b="0" i="1" smtClean="0">
-                            <a:latin typeface="Times New Roman (Headings)"/>
+                            <a:latin typeface="Cambria Math" panose="02040503050406030204" pitchFamily="18" charset="0"/>
                           </a:rPr>
                           <m:t>𝐾</m:t>
                         </m:r>
@@ -9304,13 +9343,13 @@
                       <m:sub>
                         <m:r>
                           <a:rPr lang="en-US" i="1">
-                            <a:latin typeface="Times New Roman (Headings)"/>
+                            <a:latin typeface="Cambria Math" panose="02040503050406030204" pitchFamily="18" charset="0"/>
                           </a:rPr>
                           <m:t>𝑚</m:t>
                         </m:r>
                         <m:r>
                           <a:rPr lang="en-US" b="0" i="1" smtClean="0">
-                            <a:latin typeface="Times New Roman (Headings)"/>
+                            <a:latin typeface="Cambria Math" panose="02040503050406030204" pitchFamily="18" charset="0"/>
                           </a:rPr>
                           <m:t>𝑖𝑛</m:t>
                         </m:r>
@@ -9330,14 +9369,14 @@
                       <m:sSubPr>
                         <m:ctrlPr>
                           <a:rPr lang="en-US" i="1">
-                            <a:latin typeface="Times New Roman (Headings)"/>
+                            <a:latin typeface="Cambria Math" panose="02040503050406030204" pitchFamily="18" charset="0"/>
                           </a:rPr>
                         </m:ctrlPr>
                       </m:sSubPr>
                       <m:e>
                         <m:r>
                           <a:rPr lang="en-US" b="0" i="1" smtClean="0">
-                            <a:latin typeface="Times New Roman (Headings)"/>
+                            <a:latin typeface="Cambria Math" panose="02040503050406030204" pitchFamily="18" charset="0"/>
                           </a:rPr>
                           <m:t>𝐶</m:t>
                         </m:r>
@@ -9345,15 +9384,9 @@
                       <m:sub>
                         <m:r>
                           <a:rPr lang="en-US" i="1">
-                            <a:latin typeface="Times New Roman (Headings)"/>
+                            <a:latin typeface="Cambria Math" panose="02040503050406030204" pitchFamily="18" charset="0"/>
                           </a:rPr>
-                          <m:t>𝑚</m:t>
-                        </m:r>
-                        <m:r>
-                          <a:rPr lang="en-US" i="1">
-                            <a:latin typeface="Times New Roman (Headings)"/>
-                          </a:rPr>
-                          <m:t>𝑖𝑛</m:t>
+                          <m:t>𝑚𝑖𝑛</m:t>
                         </m:r>
                       </m:sub>
                     </m:sSub>
@@ -9369,7 +9402,7 @@
             </p:txBody>
           </p:sp>
         </mc:Choice>
-        <mc:Fallback>
+        <mc:Fallback xmlns="">
           <p:sp>
             <p:nvSpPr>
               <p:cNvPr id="61" name="Rectangle 60">
@@ -10188,13 +10221,13 @@
   <p:clrMapOvr>
     <a:masterClrMapping/>
   </p:clrMapOvr>
-  <mc:AlternateContent xmlns:mc="http://schemas.openxmlformats.org/markup-compatibility/2006">
-    <mc:Choice xmlns:p159="http://schemas.microsoft.com/office/powerpoint/2015/09/main" Requires="p159">
+  <mc:AlternateContent xmlns:mc="http://schemas.openxmlformats.org/markup-compatibility/2006" xmlns:p159="http://schemas.microsoft.com/office/powerpoint/2015/09/main">
+    <mc:Choice Requires="p159">
       <p:transition xmlns:p14="http://schemas.microsoft.com/office/powerpoint/2010/main" spd="slow" p14:dur="2000">
         <p159:morph option="byObject"/>
       </p:transition>
     </mc:Choice>
-    <mc:Fallback>
+    <mc:Fallback xmlns="">
       <p:transition spd="slow">
         <p:fade/>
       </p:transition>
@@ -14010,8 +14043,8 @@
           </a:prstGeom>
         </p:spPr>
       </p:pic>
-      <mc:AlternateContent xmlns:mc="http://schemas.openxmlformats.org/markup-compatibility/2006">
-        <mc:Choice xmlns:a14="http://schemas.microsoft.com/office/drawing/2010/main" Requires="a14">
+      <mc:AlternateContent xmlns:mc="http://schemas.openxmlformats.org/markup-compatibility/2006" xmlns:a14="http://schemas.microsoft.com/office/drawing/2010/main">
+        <mc:Choice Requires="a14">
           <p:sp>
             <p:nvSpPr>
               <p:cNvPr id="17" name="TextBox 16">
@@ -14146,7 +14179,7 @@
             </p:txBody>
           </p:sp>
         </mc:Choice>
-        <mc:Fallback>
+        <mc:Fallback xmlns="">
           <p:sp>
             <p:nvSpPr>
               <p:cNvPr id="17" name="TextBox 16">
@@ -14939,8 +14972,8 @@
           </a:p>
         </p:txBody>
       </p:sp>
-      <mc:AlternateContent xmlns:mc="http://schemas.openxmlformats.org/markup-compatibility/2006">
-        <mc:Choice xmlns:a14="http://schemas.microsoft.com/office/drawing/2010/main" Requires="a14">
+      <mc:AlternateContent xmlns:mc="http://schemas.openxmlformats.org/markup-compatibility/2006" xmlns:a14="http://schemas.microsoft.com/office/drawing/2010/main">
+        <mc:Choice Requires="a14">
           <p:sp>
             <p:nvSpPr>
               <p:cNvPr id="17" name="TextBox 16">
@@ -15178,7 +15211,7 @@
             </p:txBody>
           </p:sp>
         </mc:Choice>
-        <mc:Fallback>
+        <mc:Fallback xmlns="">
           <p:sp>
             <p:nvSpPr>
               <p:cNvPr id="17" name="TextBox 16">
@@ -16815,8 +16848,8 @@
           </a:fontRef>
         </p:style>
       </p:cxnSp>
-      <mc:AlternateContent xmlns:mc="http://schemas.openxmlformats.org/markup-compatibility/2006">
-        <mc:Choice xmlns:a14="http://schemas.microsoft.com/office/drawing/2010/main" Requires="a14">
+      <mc:AlternateContent xmlns:mc="http://schemas.openxmlformats.org/markup-compatibility/2006" xmlns:a14="http://schemas.microsoft.com/office/drawing/2010/main">
+        <mc:Choice Requires="a14">
           <p:sp>
             <p:nvSpPr>
               <p:cNvPr id="22" name="TextBox 21">
@@ -17163,7 +17196,7 @@
             </p:txBody>
           </p:sp>
         </mc:Choice>
-        <mc:Fallback>
+        <mc:Fallback xmlns="">
           <p:sp>
             <p:nvSpPr>
               <p:cNvPr id="22" name="TextBox 21">
